--- a/guide/kfs.pptx
+++ b/guide/kfs.pptx
@@ -104,6 +104,11 @@
       </a:defRPr>
     </a:lvl9pPr>
   </p:defaultTextStyle>
+  <p:extLst>
+    <p:ext uri="{EFAFB233-063F-42B5-8137-9DF3F51BA10A}">
+      <p15:sldGuideLst xmlns:p15="http://schemas.microsoft.com/office/powerpoint/2012/main"/>
+    </p:ext>
+  </p:extLst>
 </p:presentation>
 </file>
 
@@ -255,7 +260,7 @@
           <a:lstStyle/>
           <a:p>
             <a:fld id="{72FB801A-9DC4-3F48-A474-F636C376219C}" type="datetimeFigureOut">
-              <a:t>2025/8/4</a:t>
+              <a:t>2025/8/27</a:t>
             </a:fld>
             <a:endParaRPr lang="en-CN"/>
           </a:p>
@@ -453,7 +458,7 @@
           <a:lstStyle/>
           <a:p>
             <a:fld id="{72FB801A-9DC4-3F48-A474-F636C376219C}" type="datetimeFigureOut">
-              <a:t>2025/8/4</a:t>
+              <a:t>2025/8/27</a:t>
             </a:fld>
             <a:endParaRPr lang="en-CN"/>
           </a:p>
@@ -661,7 +666,7 @@
           <a:lstStyle/>
           <a:p>
             <a:fld id="{72FB801A-9DC4-3F48-A474-F636C376219C}" type="datetimeFigureOut">
-              <a:t>2025/8/4</a:t>
+              <a:t>2025/8/27</a:t>
             </a:fld>
             <a:endParaRPr lang="en-CN"/>
           </a:p>
@@ -859,7 +864,7 @@
           <a:lstStyle/>
           <a:p>
             <a:fld id="{72FB801A-9DC4-3F48-A474-F636C376219C}" type="datetimeFigureOut">
-              <a:t>2025/8/4</a:t>
+              <a:t>2025/8/27</a:t>
             </a:fld>
             <a:endParaRPr lang="en-CN"/>
           </a:p>
@@ -1133,7 +1138,7 @@
           <a:lstStyle/>
           <a:p>
             <a:fld id="{72FB801A-9DC4-3F48-A474-F636C376219C}" type="datetimeFigureOut">
-              <a:t>2025/8/4</a:t>
+              <a:t>2025/8/27</a:t>
             </a:fld>
             <a:endParaRPr lang="en-CN"/>
           </a:p>
@@ -1399,7 +1404,7 @@
           <a:lstStyle/>
           <a:p>
             <a:fld id="{72FB801A-9DC4-3F48-A474-F636C376219C}" type="datetimeFigureOut">
-              <a:t>2025/8/4</a:t>
+              <a:t>2025/8/27</a:t>
             </a:fld>
             <a:endParaRPr lang="en-CN"/>
           </a:p>
@@ -1812,7 +1817,7 @@
           <a:lstStyle/>
           <a:p>
             <a:fld id="{72FB801A-9DC4-3F48-A474-F636C376219C}" type="datetimeFigureOut">
-              <a:t>2025/8/4</a:t>
+              <a:t>2025/8/27</a:t>
             </a:fld>
             <a:endParaRPr lang="en-CN"/>
           </a:p>
@@ -1952,7 +1957,7 @@
           <a:lstStyle/>
           <a:p>
             <a:fld id="{72FB801A-9DC4-3F48-A474-F636C376219C}" type="datetimeFigureOut">
-              <a:t>2025/8/4</a:t>
+              <a:t>2025/8/27</a:t>
             </a:fld>
             <a:endParaRPr lang="en-CN"/>
           </a:p>
@@ -2063,7 +2068,7 @@
           <a:lstStyle/>
           <a:p>
             <a:fld id="{72FB801A-9DC4-3F48-A474-F636C376219C}" type="datetimeFigureOut">
-              <a:t>2025/8/4</a:t>
+              <a:t>2025/8/27</a:t>
             </a:fld>
             <a:endParaRPr lang="en-CN"/>
           </a:p>
@@ -2374,7 +2379,7 @@
           <a:lstStyle/>
           <a:p>
             <a:fld id="{72FB801A-9DC4-3F48-A474-F636C376219C}" type="datetimeFigureOut">
-              <a:t>2025/8/4</a:t>
+              <a:t>2025/8/27</a:t>
             </a:fld>
             <a:endParaRPr lang="en-CN"/>
           </a:p>
@@ -2661,7 +2666,7 @@
           <a:lstStyle/>
           <a:p>
             <a:fld id="{72FB801A-9DC4-3F48-A474-F636C376219C}" type="datetimeFigureOut">
-              <a:t>2025/8/4</a:t>
+              <a:t>2025/8/27</a:t>
             </a:fld>
             <a:endParaRPr lang="en-CN"/>
           </a:p>
@@ -2902,7 +2907,7 @@
           </a:lstStyle>
           <a:p>
             <a:fld id="{72FB801A-9DC4-3F48-A474-F636C376219C}" type="datetimeFigureOut">
-              <a:t>2025/8/4</a:t>
+              <a:t>2025/8/27</a:t>
             </a:fld>
             <a:endParaRPr lang="en-CN"/>
           </a:p>
@@ -3966,7 +3971,7 @@
                   <a:schemeClr val="tx1"/>
                 </a:solidFill>
               </a:rPr>
-              <a:t>Xray / JAS</a:t>
+              <a:t>Xray / JAS / Catalog / Curation</a:t>
             </a:r>
           </a:p>
         </p:txBody>
